--- a/Inventory Management System.pptx
+++ b/Inventory Management System.pptx
@@ -7229,6 +7229,29 @@
           </a:p>
         </p:txBody>
       </p:sp>
+      <p:pic>
+        <p:nvPicPr>
+          <p:cNvPr id="4" name="Picture 3"/>
+          <p:cNvPicPr>
+            <a:picLocks noChangeAspect="1"/>
+          </p:cNvPicPr>
+          <p:nvPr/>
+        </p:nvPicPr>
+        <p:blipFill rotWithShape="1">
+          <a:blip r:embed="rId2"/>
+          <a:srcRect l="1" t="11482" r="34999" b="60740"/>
+          <a:stretch/>
+        </p:blipFill>
+        <p:spPr>
+          <a:xfrm>
+            <a:off x="152400" y="3361185"/>
+            <a:ext cx="11887200" cy="2857500"/>
+          </a:xfrm>
+          <a:prstGeom prst="rect">
+            <a:avLst/>
+          </a:prstGeom>
+        </p:spPr>
+      </p:pic>
     </p:spTree>
     <p:extLst>
       <p:ext uri="{BB962C8B-B14F-4D97-AF65-F5344CB8AC3E}">
